--- a/TheTalesOfGodric.pptx
+++ b/TheTalesOfGodric.pptx
@@ -453,7 +453,7 @@
             <a:fld id="{F4D57BDD-E64A-4D27-8978-82FFCA18A12C}" type="datetimeFigureOut">
               <a:rPr lang="en-US" smtClean="0"/>
               <a:pPr/>
-              <a:t>9/25/2024</a:t>
+              <a:t>9/30/2024</a:t>
             </a:fld>
             <a:endParaRPr lang="en-US" dirty="0"/>
           </a:p>
@@ -791,7 +791,7 @@
             <a:fld id="{F4D57BDD-E64A-4D27-8978-82FFCA18A12C}" type="datetimeFigureOut">
               <a:rPr lang="en-US" smtClean="0"/>
               <a:pPr/>
-              <a:t>9/25/2024</a:t>
+              <a:t>9/30/2024</a:t>
             </a:fld>
             <a:endParaRPr lang="en-US" dirty="0"/>
           </a:p>
@@ -1053,7 +1053,7 @@
             <a:fld id="{F4D57BDD-E64A-4D27-8978-82FFCA18A12C}" type="datetimeFigureOut">
               <a:rPr lang="en-US" smtClean="0"/>
               <a:pPr/>
-              <a:t>9/25/2024</a:t>
+              <a:t>9/30/2024</a:t>
             </a:fld>
             <a:endParaRPr lang="en-US" dirty="0"/>
           </a:p>
@@ -1406,7 +1406,7 @@
             <a:fld id="{F4D57BDD-E64A-4D27-8978-82FFCA18A12C}" type="datetimeFigureOut">
               <a:rPr lang="en-US" smtClean="0"/>
               <a:pPr/>
-              <a:t>9/25/2024</a:t>
+              <a:t>9/30/2024</a:t>
             </a:fld>
             <a:endParaRPr lang="en-US" dirty="0"/>
           </a:p>
@@ -1767,7 +1767,7 @@
             <a:fld id="{F4D57BDD-E64A-4D27-8978-82FFCA18A12C}" type="datetimeFigureOut">
               <a:rPr lang="en-US" smtClean="0"/>
               <a:pPr/>
-              <a:t>9/25/2024</a:t>
+              <a:t>9/30/2024</a:t>
             </a:fld>
             <a:endParaRPr lang="en-US" dirty="0"/>
           </a:p>
@@ -2155,7 +2155,7 @@
             <a:fld id="{F4D57BDD-E64A-4D27-8978-82FFCA18A12C}" type="datetimeFigureOut">
               <a:rPr lang="en-US" smtClean="0"/>
               <a:pPr/>
-              <a:t>9/25/2024</a:t>
+              <a:t>9/30/2024</a:t>
             </a:fld>
             <a:endParaRPr lang="en-US" dirty="0"/>
           </a:p>
@@ -2639,7 +2639,7 @@
             <a:fld id="{F4D57BDD-E64A-4D27-8978-82FFCA18A12C}" type="datetimeFigureOut">
               <a:rPr lang="en-US" smtClean="0"/>
               <a:pPr/>
-              <a:t>9/25/2024</a:t>
+              <a:t>9/30/2024</a:t>
             </a:fld>
             <a:endParaRPr lang="en-US" dirty="0"/>
           </a:p>
@@ -2858,7 +2858,7 @@
             <a:fld id="{F4D57BDD-E64A-4D27-8978-82FFCA18A12C}" type="datetimeFigureOut">
               <a:rPr lang="en-US" smtClean="0"/>
               <a:pPr/>
-              <a:t>9/25/2024</a:t>
+              <a:t>9/30/2024</a:t>
             </a:fld>
             <a:endParaRPr lang="en-US" dirty="0"/>
           </a:p>
@@ -3083,7 +3083,7 @@
             <a:fld id="{F4D57BDD-E64A-4D27-8978-82FFCA18A12C}" type="datetimeFigureOut">
               <a:rPr lang="en-US" smtClean="0"/>
               <a:pPr/>
-              <a:t>9/25/2024</a:t>
+              <a:t>9/30/2024</a:t>
             </a:fld>
             <a:endParaRPr lang="en-US" dirty="0"/>
           </a:p>
@@ -3329,7 +3329,7 @@
             <a:fld id="{F4D57BDD-E64A-4D27-8978-82FFCA18A12C}" type="datetimeFigureOut">
               <a:rPr lang="en-US" smtClean="0"/>
               <a:pPr/>
-              <a:t>9/25/2024</a:t>
+              <a:t>9/30/2024</a:t>
             </a:fld>
             <a:endParaRPr lang="en-US" dirty="0"/>
           </a:p>
@@ -3591,7 +3591,7 @@
             <a:fld id="{F4D57BDD-E64A-4D27-8978-82FFCA18A12C}" type="datetimeFigureOut">
               <a:rPr lang="en-US" smtClean="0"/>
               <a:pPr/>
-              <a:t>9/25/2024</a:t>
+              <a:t>9/30/2024</a:t>
             </a:fld>
             <a:endParaRPr lang="en-US" dirty="0"/>
           </a:p>
@@ -3872,7 +3872,7 @@
             <a:fld id="{F4D57BDD-E64A-4D27-8978-82FFCA18A12C}" type="datetimeFigureOut">
               <a:rPr lang="en-US" smtClean="0"/>
               <a:pPr/>
-              <a:t>9/25/2024</a:t>
+              <a:t>9/30/2024</a:t>
             </a:fld>
             <a:endParaRPr lang="en-US" dirty="0"/>
           </a:p>
@@ -4304,7 +4304,7 @@
             <a:fld id="{F4D57BDD-E64A-4D27-8978-82FFCA18A12C}" type="datetimeFigureOut">
               <a:rPr lang="en-US" smtClean="0"/>
               <a:pPr/>
-              <a:t>9/25/2024</a:t>
+              <a:t>9/30/2024</a:t>
             </a:fld>
             <a:endParaRPr lang="en-US" dirty="0"/>
           </a:p>
@@ -4472,7 +4472,7 @@
             <a:fld id="{F4D57BDD-E64A-4D27-8978-82FFCA18A12C}" type="datetimeFigureOut">
               <a:rPr lang="en-US" smtClean="0"/>
               <a:pPr/>
-              <a:t>9/25/2024</a:t>
+              <a:t>9/30/2024</a:t>
             </a:fld>
             <a:endParaRPr lang="en-US" dirty="0"/>
           </a:p>
@@ -4612,7 +4612,7 @@
             <a:fld id="{F4D57BDD-E64A-4D27-8978-82FFCA18A12C}" type="datetimeFigureOut">
               <a:rPr lang="en-US" smtClean="0"/>
               <a:pPr/>
-              <a:t>9/25/2024</a:t>
+              <a:t>9/30/2024</a:t>
             </a:fld>
             <a:endParaRPr lang="en-US" dirty="0"/>
           </a:p>
@@ -4881,7 +4881,7 @@
             <a:fld id="{F4D57BDD-E64A-4D27-8978-82FFCA18A12C}" type="datetimeFigureOut">
               <a:rPr lang="en-US" smtClean="0"/>
               <a:pPr/>
-              <a:t>9/25/2024</a:t>
+              <a:t>9/30/2024</a:t>
             </a:fld>
             <a:endParaRPr lang="en-US" dirty="0"/>
           </a:p>
@@ -5215,7 +5215,7 @@
             <a:fld id="{F4D57BDD-E64A-4D27-8978-82FFCA18A12C}" type="datetimeFigureOut">
               <a:rPr lang="en-US" smtClean="0"/>
               <a:pPr/>
-              <a:t>9/25/2024</a:t>
+              <a:t>9/30/2024</a:t>
             </a:fld>
             <a:endParaRPr lang="en-US" dirty="0"/>
           </a:p>
@@ -5580,7 +5580,7 @@
             <a:fld id="{F4D57BDD-E64A-4D27-8978-82FFCA18A12C}" type="datetimeFigureOut">
               <a:rPr lang="en-US" smtClean="0"/>
               <a:pPr/>
-              <a:t>9/25/2024</a:t>
+              <a:t>9/30/2024</a:t>
             </a:fld>
             <a:endParaRPr lang="en-US" dirty="0"/>
           </a:p>
@@ -6203,7 +6203,7 @@
         </p:nvSpPr>
         <p:spPr>
           <a:xfrm>
-            <a:off x="6863260" y="4553510"/>
+            <a:off x="4324597" y="4074197"/>
             <a:ext cx="3452816" cy="894790"/>
           </a:xfrm>
         </p:spPr>
@@ -6213,7 +6213,6 @@
           </a:bodyPr>
           <a:lstStyle/>
           <a:p>
-            <a:pPr algn="l"/>
             <a:r>
               <a:rPr lang="en-US" sz="2500" dirty="0"/>
               <a:t>Project Presentation by Philipp Gerstl</a:t>
@@ -6250,8 +6249,8 @@
         </p:blipFill>
         <p:spPr>
           <a:xfrm>
-            <a:off x="410632" y="-336550"/>
-            <a:ext cx="7264401" cy="5448300"/>
+            <a:off x="3995600" y="1187594"/>
+            <a:ext cx="4200800" cy="3150600"/>
           </a:xfrm>
           <a:prstGeom prst="rect">
             <a:avLst/>
@@ -7554,7 +7553,7 @@
             </a:pPr>
             <a:r>
               <a:rPr lang="en-US" dirty="0"/>
-              <a:t>This language is only used in the Godot engine so less information about it compared to JAVA</a:t>
+              <a:t>This language is only used in the Godot Engine so less information about it compared to JAVA</a:t>
             </a:r>
           </a:p>
         </p:txBody>

--- a/TheTalesOfGodric.pptx
+++ b/TheTalesOfGodric.pptx
@@ -453,7 +453,7 @@
             <a:fld id="{F4D57BDD-E64A-4D27-8978-82FFCA18A12C}" type="datetimeFigureOut">
               <a:rPr lang="en-US" smtClean="0"/>
               <a:pPr/>
-              <a:t>9/30/2024</a:t>
+              <a:t>10/1/2024</a:t>
             </a:fld>
             <a:endParaRPr lang="en-US" dirty="0"/>
           </a:p>
@@ -791,7 +791,7 @@
             <a:fld id="{F4D57BDD-E64A-4D27-8978-82FFCA18A12C}" type="datetimeFigureOut">
               <a:rPr lang="en-US" smtClean="0"/>
               <a:pPr/>
-              <a:t>9/30/2024</a:t>
+              <a:t>10/1/2024</a:t>
             </a:fld>
             <a:endParaRPr lang="en-US" dirty="0"/>
           </a:p>
@@ -1053,7 +1053,7 @@
             <a:fld id="{F4D57BDD-E64A-4D27-8978-82FFCA18A12C}" type="datetimeFigureOut">
               <a:rPr lang="en-US" smtClean="0"/>
               <a:pPr/>
-              <a:t>9/30/2024</a:t>
+              <a:t>10/1/2024</a:t>
             </a:fld>
             <a:endParaRPr lang="en-US" dirty="0"/>
           </a:p>
@@ -1406,7 +1406,7 @@
             <a:fld id="{F4D57BDD-E64A-4D27-8978-82FFCA18A12C}" type="datetimeFigureOut">
               <a:rPr lang="en-US" smtClean="0"/>
               <a:pPr/>
-              <a:t>9/30/2024</a:t>
+              <a:t>10/1/2024</a:t>
             </a:fld>
             <a:endParaRPr lang="en-US" dirty="0"/>
           </a:p>
@@ -1767,7 +1767,7 @@
             <a:fld id="{F4D57BDD-E64A-4D27-8978-82FFCA18A12C}" type="datetimeFigureOut">
               <a:rPr lang="en-US" smtClean="0"/>
               <a:pPr/>
-              <a:t>9/30/2024</a:t>
+              <a:t>10/1/2024</a:t>
             </a:fld>
             <a:endParaRPr lang="en-US" dirty="0"/>
           </a:p>
@@ -2155,7 +2155,7 @@
             <a:fld id="{F4D57BDD-E64A-4D27-8978-82FFCA18A12C}" type="datetimeFigureOut">
               <a:rPr lang="en-US" smtClean="0"/>
               <a:pPr/>
-              <a:t>9/30/2024</a:t>
+              <a:t>10/1/2024</a:t>
             </a:fld>
             <a:endParaRPr lang="en-US" dirty="0"/>
           </a:p>
@@ -2639,7 +2639,7 @@
             <a:fld id="{F4D57BDD-E64A-4D27-8978-82FFCA18A12C}" type="datetimeFigureOut">
               <a:rPr lang="en-US" smtClean="0"/>
               <a:pPr/>
-              <a:t>9/30/2024</a:t>
+              <a:t>10/1/2024</a:t>
             </a:fld>
             <a:endParaRPr lang="en-US" dirty="0"/>
           </a:p>
@@ -2858,7 +2858,7 @@
             <a:fld id="{F4D57BDD-E64A-4D27-8978-82FFCA18A12C}" type="datetimeFigureOut">
               <a:rPr lang="en-US" smtClean="0"/>
               <a:pPr/>
-              <a:t>9/30/2024</a:t>
+              <a:t>10/1/2024</a:t>
             </a:fld>
             <a:endParaRPr lang="en-US" dirty="0"/>
           </a:p>
@@ -3083,7 +3083,7 @@
             <a:fld id="{F4D57BDD-E64A-4D27-8978-82FFCA18A12C}" type="datetimeFigureOut">
               <a:rPr lang="en-US" smtClean="0"/>
               <a:pPr/>
-              <a:t>9/30/2024</a:t>
+              <a:t>10/1/2024</a:t>
             </a:fld>
             <a:endParaRPr lang="en-US" dirty="0"/>
           </a:p>
@@ -3329,7 +3329,7 @@
             <a:fld id="{F4D57BDD-E64A-4D27-8978-82FFCA18A12C}" type="datetimeFigureOut">
               <a:rPr lang="en-US" smtClean="0"/>
               <a:pPr/>
-              <a:t>9/30/2024</a:t>
+              <a:t>10/1/2024</a:t>
             </a:fld>
             <a:endParaRPr lang="en-US" dirty="0"/>
           </a:p>
@@ -3591,7 +3591,7 @@
             <a:fld id="{F4D57BDD-E64A-4D27-8978-82FFCA18A12C}" type="datetimeFigureOut">
               <a:rPr lang="en-US" smtClean="0"/>
               <a:pPr/>
-              <a:t>9/30/2024</a:t>
+              <a:t>10/1/2024</a:t>
             </a:fld>
             <a:endParaRPr lang="en-US" dirty="0"/>
           </a:p>
@@ -3872,7 +3872,7 @@
             <a:fld id="{F4D57BDD-E64A-4D27-8978-82FFCA18A12C}" type="datetimeFigureOut">
               <a:rPr lang="en-US" smtClean="0"/>
               <a:pPr/>
-              <a:t>9/30/2024</a:t>
+              <a:t>10/1/2024</a:t>
             </a:fld>
             <a:endParaRPr lang="en-US" dirty="0"/>
           </a:p>
@@ -4304,7 +4304,7 @@
             <a:fld id="{F4D57BDD-E64A-4D27-8978-82FFCA18A12C}" type="datetimeFigureOut">
               <a:rPr lang="en-US" smtClean="0"/>
               <a:pPr/>
-              <a:t>9/30/2024</a:t>
+              <a:t>10/1/2024</a:t>
             </a:fld>
             <a:endParaRPr lang="en-US" dirty="0"/>
           </a:p>
@@ -4472,7 +4472,7 @@
             <a:fld id="{F4D57BDD-E64A-4D27-8978-82FFCA18A12C}" type="datetimeFigureOut">
               <a:rPr lang="en-US" smtClean="0"/>
               <a:pPr/>
-              <a:t>9/30/2024</a:t>
+              <a:t>10/1/2024</a:t>
             </a:fld>
             <a:endParaRPr lang="en-US" dirty="0"/>
           </a:p>
@@ -4612,7 +4612,7 @@
             <a:fld id="{F4D57BDD-E64A-4D27-8978-82FFCA18A12C}" type="datetimeFigureOut">
               <a:rPr lang="en-US" smtClean="0"/>
               <a:pPr/>
-              <a:t>9/30/2024</a:t>
+              <a:t>10/1/2024</a:t>
             </a:fld>
             <a:endParaRPr lang="en-US" dirty="0"/>
           </a:p>
@@ -4881,7 +4881,7 @@
             <a:fld id="{F4D57BDD-E64A-4D27-8978-82FFCA18A12C}" type="datetimeFigureOut">
               <a:rPr lang="en-US" smtClean="0"/>
               <a:pPr/>
-              <a:t>9/30/2024</a:t>
+              <a:t>10/1/2024</a:t>
             </a:fld>
             <a:endParaRPr lang="en-US" dirty="0"/>
           </a:p>
@@ -5215,7 +5215,7 @@
             <a:fld id="{F4D57BDD-E64A-4D27-8978-82FFCA18A12C}" type="datetimeFigureOut">
               <a:rPr lang="en-US" smtClean="0"/>
               <a:pPr/>
-              <a:t>9/30/2024</a:t>
+              <a:t>10/1/2024</a:t>
             </a:fld>
             <a:endParaRPr lang="en-US" dirty="0"/>
           </a:p>
@@ -5580,7 +5580,7 @@
             <a:fld id="{F4D57BDD-E64A-4D27-8978-82FFCA18A12C}" type="datetimeFigureOut">
               <a:rPr lang="en-US" smtClean="0"/>
               <a:pPr/>
-              <a:t>9/30/2024</a:t>
+              <a:t>10/1/2024</a:t>
             </a:fld>
             <a:endParaRPr lang="en-US" dirty="0"/>
           </a:p>
@@ -6353,8 +6353,8 @@
         </p:nvSpPr>
         <p:spPr>
           <a:xfrm>
-            <a:off x="1524000" y="1985963"/>
-            <a:ext cx="9144000" cy="1716087"/>
+            <a:off x="2701089" y="2749216"/>
+            <a:ext cx="6799848" cy="1546058"/>
           </a:xfrm>
         </p:spPr>
         <p:txBody>
@@ -6368,48 +6368,6 @@
               <a:t>THANK YOU FOR YOUR ATTENTION</a:t>
             </a:r>
             <a:endParaRPr lang="de-AT" dirty="0"/>
-          </a:p>
-        </p:txBody>
-      </p:sp>
-      <p:sp>
-        <p:nvSpPr>
-          <p:cNvPr id="5" name="Untertitel 4">
-            <a:extLst>
-              <a:ext uri="{FF2B5EF4-FFF2-40B4-BE49-F238E27FC236}">
-                <a16:creationId xmlns:a16="http://schemas.microsoft.com/office/drawing/2014/main" id="{48E52A5F-4334-B44D-6569-CE618E827742}"/>
-              </a:ext>
-            </a:extLst>
-          </p:cNvPr>
-          <p:cNvSpPr>
-            <a:spLocks noGrp="1"/>
-          </p:cNvSpPr>
-          <p:nvPr>
-            <p:ph type="subTitle" idx="1"/>
-          </p:nvPr>
-        </p:nvSpPr>
-        <p:spPr>
-          <a:xfrm>
-            <a:off x="4079875" y="4421188"/>
-            <a:ext cx="4032250" cy="677862"/>
-          </a:xfrm>
-        </p:spPr>
-        <p:txBody>
-          <a:bodyPr>
-            <a:normAutofit/>
-          </a:bodyPr>
-          <a:lstStyle/>
-          <a:p>
-            <a:r>
-              <a:rPr lang="en-US" sz="1500" dirty="0"/>
-              <a:t>Special THANKS to </a:t>
-            </a:r>
-          </a:p>
-          <a:p>
-            <a:r>
-              <a:rPr lang="en-US" sz="1500" dirty="0"/>
-              <a:t>Ruben, Patricia, Nicolas and Alex for their help!</a:t>
-            </a:r>
-            <a:endParaRPr lang="de-AT" sz="1500" dirty="0"/>
           </a:p>
         </p:txBody>
       </p:sp>
@@ -7336,7 +7294,7 @@
         <p:spPr>
           <a:xfrm>
             <a:off x="5647825" y="2572591"/>
-            <a:ext cx="5797549" cy="1200329"/>
+            <a:ext cx="5797549" cy="923330"/>
           </a:xfrm>
           <a:prstGeom prst="rect">
             <a:avLst/>
@@ -7355,7 +7313,7 @@
             </a:pPr>
             <a:r>
               <a:rPr lang="en-US" dirty="0"/>
-              <a:t>I had no Idea/Experience about Game Developing</a:t>
+              <a:t>No Idea/Experience about Game Developing</a:t>
             </a:r>
           </a:p>
           <a:p>
@@ -7365,7 +7323,17 @@
             </a:pPr>
             <a:r>
               <a:rPr lang="en-US" dirty="0"/>
-              <a:t>Learning how to make my Game with YouTube and updating stuff with ChatGPT since a lot of the info was outdated</a:t>
+              <a:t>Outdated Tutorials</a:t>
+            </a:r>
+          </a:p>
+          <a:p>
+            <a:pPr marL="285750" indent="-285750">
+              <a:buFont typeface="Arial" panose="020B0604020202020204" pitchFamily="34" charset="0"/>
+              <a:buChar char="•"/>
+            </a:pPr>
+            <a:r>
+              <a:rPr lang="en-US" dirty="0"/>
+              <a:t>ChatGPT for Help</a:t>
             </a:r>
           </a:p>
         </p:txBody>
@@ -7385,7 +7353,7 @@
         <p:spPr>
           <a:xfrm>
             <a:off x="3304670" y="3772920"/>
-            <a:ext cx="5797549" cy="923330"/>
+            <a:ext cx="5797549" cy="646331"/>
           </a:xfrm>
           <a:prstGeom prst="rect">
             <a:avLst/>
@@ -7404,7 +7372,7 @@
             </a:pPr>
             <a:r>
               <a:rPr lang="en-US" dirty="0"/>
-              <a:t>Finding out how to make a REST-API and set it up correctly</a:t>
+              <a:t>How to Setup</a:t>
             </a:r>
           </a:p>
           <a:p>
@@ -7414,7 +7382,7 @@
             </a:pPr>
             <a:r>
               <a:rPr lang="en-US" dirty="0"/>
-              <a:t>Getting all the methods I needed up and running</a:t>
+              <a:t>Making Specific Methods</a:t>
             </a:r>
           </a:p>
         </p:txBody>
@@ -7506,7 +7474,7 @@
         <p:spPr>
           <a:xfrm>
             <a:off x="5090248" y="4898133"/>
-            <a:ext cx="6430657" cy="1200329"/>
+            <a:ext cx="6430657" cy="923330"/>
           </a:xfrm>
           <a:prstGeom prst="rect">
             <a:avLst/>
@@ -7525,15 +7493,7 @@
             </a:pPr>
             <a:r>
               <a:rPr lang="en-US" dirty="0"/>
-              <a:t>Since </a:t>
-            </a:r>
-            <a:r>
-              <a:rPr lang="en-US" dirty="0" err="1"/>
-              <a:t>GDScript</a:t>
-            </a:r>
-            <a:r>
-              <a:rPr lang="en-US" dirty="0"/>
-              <a:t> is based on python I had to learn the new Syntax</a:t>
+              <a:t>New Syntax</a:t>
             </a:r>
           </a:p>
           <a:p>
@@ -7543,7 +7503,7 @@
             </a:pPr>
             <a:r>
               <a:rPr lang="en-US" dirty="0"/>
-              <a:t>Finding the right information for the current Version of Godot</a:t>
+              <a:t>Finding right Information</a:t>
             </a:r>
           </a:p>
           <a:p>
@@ -7553,7 +7513,7 @@
             </a:pPr>
             <a:r>
               <a:rPr lang="en-US" dirty="0"/>
-              <a:t>This language is only used in the Godot Engine so less information about it compared to JAVA</a:t>
+              <a:t>Only used in Godot Engine</a:t>
             </a:r>
           </a:p>
         </p:txBody>
@@ -9433,7 +9393,7 @@
         <p:spPr>
           <a:xfrm>
             <a:off x="721922" y="2831295"/>
-            <a:ext cx="4337546" cy="3277820"/>
+            <a:ext cx="4337546" cy="3093154"/>
           </a:xfrm>
           <a:prstGeom prst="rect">
             <a:avLst/>
@@ -9451,7 +9411,11 @@
               <a:buChar char="•"/>
             </a:pPr>
             <a:r>
-              <a:rPr lang="en-US" sz="1500" dirty="0"/>
+              <a:rPr lang="en-US" sz="1500" dirty="0">
+                <a:solidFill>
+                  <a:srgbClr val="DB7533"/>
+                </a:solidFill>
+              </a:rPr>
               <a:t>Easy to learn</a:t>
             </a:r>
           </a:p>
@@ -9461,7 +9425,11 @@
               <a:buChar char="•"/>
             </a:pPr>
             <a:r>
-              <a:rPr lang="en-US" sz="1200" dirty="0"/>
+              <a:rPr lang="en-US" sz="1200" dirty="0">
+                <a:solidFill>
+                  <a:srgbClr val="DB7533"/>
+                </a:solidFill>
+              </a:rPr>
               <a:t>Simple, English-like syntax makes it accessible to beginners</a:t>
             </a:r>
           </a:p>
@@ -9471,7 +9439,11 @@
               <a:buChar char="•"/>
             </a:pPr>
             <a:r>
-              <a:rPr lang="en-US" sz="1500" dirty="0"/>
+              <a:rPr lang="en-US" sz="1500" dirty="0">
+                <a:solidFill>
+                  <a:srgbClr val="DB7533"/>
+                </a:solidFill>
+              </a:rPr>
               <a:t>Standardized</a:t>
             </a:r>
           </a:p>
@@ -9481,7 +9453,11 @@
               <a:buChar char="•"/>
             </a:pPr>
             <a:r>
-              <a:rPr lang="en-US" sz="1200" dirty="0"/>
+              <a:rPr lang="en-US" sz="1200" dirty="0">
+                <a:solidFill>
+                  <a:srgbClr val="DB7533"/>
+                </a:solidFill>
+              </a:rPr>
               <a:t>SQL is widely supported across major relational database systems (MySQL, PostgreSQL, SQL Server, etc.)</a:t>
             </a:r>
           </a:p>
@@ -9491,7 +9467,11 @@
               <a:buChar char="•"/>
             </a:pPr>
             <a:r>
-              <a:rPr lang="en-US" sz="1500" dirty="0"/>
+              <a:rPr lang="en-US" sz="1500" dirty="0">
+                <a:solidFill>
+                  <a:srgbClr val="DB7533"/>
+                </a:solidFill>
+              </a:rPr>
               <a:t>Powerful Query Capabilities</a:t>
             </a:r>
           </a:p>
@@ -9501,7 +9481,11 @@
               <a:buChar char="•"/>
             </a:pPr>
             <a:r>
-              <a:rPr lang="en-US" sz="1200" dirty="0"/>
+              <a:rPr lang="en-US" sz="1200" dirty="0">
+                <a:solidFill>
+                  <a:srgbClr val="DB7533"/>
+                </a:solidFill>
+              </a:rPr>
               <a:t>Handles complex queries, filtering, and data manipulation efficiently</a:t>
             </a:r>
           </a:p>
@@ -9511,7 +9495,11 @@
               <a:buChar char="•"/>
             </a:pPr>
             <a:r>
-              <a:rPr lang="en-US" sz="1500" dirty="0"/>
+              <a:rPr lang="en-US" sz="1500" dirty="0">
+                <a:solidFill>
+                  <a:srgbClr val="DB7533"/>
+                </a:solidFill>
+              </a:rPr>
               <a:t>Data Integrity</a:t>
             </a:r>
           </a:p>
@@ -9521,7 +9509,11 @@
               <a:buChar char="•"/>
             </a:pPr>
             <a:r>
-              <a:rPr lang="en-US" sz="1200" dirty="0"/>
+              <a:rPr lang="en-US" sz="1200" dirty="0">
+                <a:solidFill>
+                  <a:srgbClr val="DB7533"/>
+                </a:solidFill>
+              </a:rPr>
               <a:t>Ensures data accuracy and reliability through Constraints (e.g., primary keys, foreign keys)</a:t>
             </a:r>
           </a:p>
@@ -9531,7 +9523,11 @@
               <a:buChar char="•"/>
             </a:pPr>
             <a:r>
-              <a:rPr lang="en-US" sz="1500" dirty="0"/>
+              <a:rPr lang="en-US" sz="1500" dirty="0">
+                <a:solidFill>
+                  <a:srgbClr val="DB7533"/>
+                </a:solidFill>
+              </a:rPr>
               <a:t>ACID Compliance</a:t>
             </a:r>
           </a:p>
@@ -9541,7 +9537,11 @@
               <a:buChar char="•"/>
             </a:pPr>
             <a:r>
-              <a:rPr lang="en-US" sz="1200" dirty="0"/>
+              <a:rPr lang="en-US" sz="1200" dirty="0">
+                <a:solidFill>
+                  <a:srgbClr val="DB7533"/>
+                </a:solidFill>
+              </a:rPr>
               <a:t>Supports safe, reliable transactions, for critical data handling</a:t>
             </a:r>
           </a:p>
@@ -9798,7 +9798,7 @@
         <p:spPr>
           <a:xfrm>
             <a:off x="1339515" y="2493142"/>
-            <a:ext cx="3549650" cy="3462486"/>
+            <a:ext cx="3549650" cy="3277820"/>
           </a:xfrm>
           <a:prstGeom prst="rect">
             <a:avLst/>
@@ -9816,7 +9816,11 @@
               <a:buChar char="•"/>
             </a:pPr>
             <a:r>
-              <a:rPr lang="en-US" sz="1500" dirty="0"/>
+              <a:rPr lang="en-US" sz="1500" dirty="0">
+                <a:solidFill>
+                  <a:srgbClr val="DB7533"/>
+                </a:solidFill>
+              </a:rPr>
               <a:t>Scalability Challenges</a:t>
             </a:r>
           </a:p>
@@ -9826,7 +9830,11 @@
               <a:buChar char="•"/>
             </a:pPr>
             <a:r>
-              <a:rPr lang="en-US" sz="1200" dirty="0"/>
+              <a:rPr lang="en-US" sz="1200" dirty="0">
+                <a:solidFill>
+                  <a:srgbClr val="DB7533"/>
+                </a:solidFill>
+              </a:rPr>
               <a:t>Difficult to horizontally scale across multiple servers compared to NoSQL</a:t>
             </a:r>
           </a:p>
@@ -9836,7 +9844,11 @@
               <a:buChar char="•"/>
             </a:pPr>
             <a:r>
-              <a:rPr lang="en-US" sz="1500" dirty="0"/>
+              <a:rPr lang="en-US" sz="1500" dirty="0">
+                <a:solidFill>
+                  <a:srgbClr val="DB7533"/>
+                </a:solidFill>
+              </a:rPr>
               <a:t>Complex Optimization</a:t>
             </a:r>
           </a:p>
@@ -9846,7 +9858,11 @@
               <a:buChar char="•"/>
             </a:pPr>
             <a:r>
-              <a:rPr lang="en-US" sz="1200" dirty="0"/>
+              <a:rPr lang="en-US" sz="1200" dirty="0">
+                <a:solidFill>
+                  <a:srgbClr val="DB7533"/>
+                </a:solidFill>
+              </a:rPr>
               <a:t>Large or complex queries may require manual tuning for optimal performance</a:t>
             </a:r>
           </a:p>
@@ -9856,7 +9872,11 @@
               <a:buChar char="•"/>
             </a:pPr>
             <a:r>
-              <a:rPr lang="en-US" sz="1500" dirty="0"/>
+              <a:rPr lang="en-US" sz="1500" dirty="0">
+                <a:solidFill>
+                  <a:srgbClr val="DB7533"/>
+                </a:solidFill>
+              </a:rPr>
               <a:t>Rigid Schema</a:t>
             </a:r>
           </a:p>
@@ -9866,7 +9886,11 @@
               <a:buChar char="•"/>
             </a:pPr>
             <a:r>
-              <a:rPr lang="en-US" sz="1200" dirty="0"/>
+              <a:rPr lang="en-US" sz="1200" dirty="0">
+                <a:solidFill>
+                  <a:srgbClr val="DB7533"/>
+                </a:solidFill>
+              </a:rPr>
               <a:t>Fixed schema design can be less flexible for dynamic or unstructured data</a:t>
             </a:r>
           </a:p>
@@ -9876,7 +9900,11 @@
               <a:buChar char="•"/>
             </a:pPr>
             <a:r>
-              <a:rPr lang="en-US" sz="1500" dirty="0"/>
+              <a:rPr lang="en-US" sz="1500" dirty="0">
+                <a:solidFill>
+                  <a:srgbClr val="DB7533"/>
+                </a:solidFill>
+              </a:rPr>
               <a:t>Vendor Lock-In</a:t>
             </a:r>
           </a:p>
@@ -9886,7 +9914,11 @@
               <a:buChar char="•"/>
             </a:pPr>
             <a:r>
-              <a:rPr lang="en-US" sz="1200" dirty="0"/>
+              <a:rPr lang="en-US" sz="1200" dirty="0">
+                <a:solidFill>
+                  <a:srgbClr val="DB7533"/>
+                </a:solidFill>
+              </a:rPr>
               <a:t>Some features are vendor-specific, complicating migrations between different SQL systems</a:t>
             </a:r>
           </a:p>
@@ -9896,7 +9928,11 @@
               <a:buChar char="•"/>
             </a:pPr>
             <a:r>
-              <a:rPr lang="en-US" sz="1500" dirty="0"/>
+              <a:rPr lang="en-US" sz="1500" dirty="0">
+                <a:solidFill>
+                  <a:srgbClr val="DB7533"/>
+                </a:solidFill>
+              </a:rPr>
               <a:t>Less Suited for Big Data</a:t>
             </a:r>
           </a:p>
@@ -9906,7 +9942,11 @@
               <a:buChar char="•"/>
             </a:pPr>
             <a:r>
-              <a:rPr lang="en-US" sz="1200" dirty="0"/>
+              <a:rPr lang="en-US" sz="1200" dirty="0">
+                <a:solidFill>
+                  <a:srgbClr val="DB7533"/>
+                </a:solidFill>
+              </a:rPr>
               <a:t>Struggles with massive, real-time, datasets compared to NoSQL or specialized systems</a:t>
             </a:r>
           </a:p>
@@ -10261,7 +10301,7 @@
         <p:spPr/>
         <p:txBody>
           <a:bodyPr>
-            <a:normAutofit fontScale="77500" lnSpcReduction="20000"/>
+            <a:normAutofit/>
           </a:bodyPr>
           <a:lstStyle/>
           <a:p>
@@ -10279,25 +10319,29 @@
           <a:p>
             <a:r>
               <a:rPr lang="en-US" sz="2000" dirty="0"/>
-              <a:t>Since it‘s a NoSQL database it doesn‘t require a fixed schema which is good since with Game Developing you have a lot of different data structures (player stats, game levels, inventories, etc.)</a:t>
+              <a:t>No Fixed Schema</a:t>
             </a:r>
           </a:p>
           <a:p>
             <a:r>
               <a:rPr lang="en-US" sz="2000" dirty="0"/>
-              <a:t>Games often experience rapid growth in users or data (player data, in-game assets, etc.). MongoDB is designed to scale horizontally by distributing data across multiple servers, ensuring it can handle high traffic and large datasets efficiently, which for me was just a no-brainer for future proofing</a:t>
+              <a:t>Horizontally Scalable</a:t>
             </a:r>
           </a:p>
           <a:p>
             <a:r>
               <a:rPr lang="en-US" sz="2000" dirty="0"/>
-              <a:t>Many games require fast, real-time data reads and writes, like leaderboards, matchmaking, or player interactions. MongoDB‘s architecture supports low-latency queries and fast data access, which is critical for a smooth gaming experience</a:t>
-            </a:r>
-          </a:p>
-          <a:p>
+              <a:t>MongoDB‘s architecture supports low-latency queries and fast data access, </a:t>
+            </a:r>
+          </a:p>
+          <a:p>
+            <a:r>
+              <a:rPr lang="en-US" sz="2000"/>
+              <a:t>MongoDB </a:t>
+            </a:r>
             <a:r>
               <a:rPr lang="en-US" sz="2000" dirty="0"/>
-              <a:t>Game data often includes complex relationships (players with multiple inventories, achievements, etc.). MongoDB’s document-based storage allows these nested structures to be stored in a single record, reducing complexity and improving read performance.</a:t>
+              <a:t>is document-based</a:t>
             </a:r>
             <a:endParaRPr lang="de-AT" sz="2000" dirty="0"/>
           </a:p>
